--- a/Git Session.pptx
+++ b/Git Session.pptx
@@ -7,9 +7,10 @@
   <p:sldIdLst>
     <p:sldId id="256" r:id="rId2"/>
     <p:sldId id="257" r:id="rId3"/>
-    <p:sldId id="258" r:id="rId4"/>
-    <p:sldId id="259" r:id="rId5"/>
-    <p:sldId id="260" r:id="rId6"/>
+    <p:sldId id="261" r:id="rId4"/>
+    <p:sldId id="258" r:id="rId5"/>
+    <p:sldId id="259" r:id="rId6"/>
+    <p:sldId id="260" r:id="rId7"/>
   </p:sldIdLst>
   <p:sldSz cx="12192000" cy="6858000"/>
   <p:notesSz cx="6858000" cy="9144000"/>
@@ -108,6 +109,11 @@
       </a:defRPr>
     </a:lvl9pPr>
   </p:defaultTextStyle>
+  <p:extLst>
+    <p:ext uri="{EFAFB233-063F-42B5-8137-9DF3F51BA10A}">
+      <p15:sldGuideLst xmlns:p15="http://schemas.microsoft.com/office/powerpoint/2012/main"/>
+    </p:ext>
+  </p:extLst>
 </p:presentation>
 </file>
 
@@ -4965,6 +4971,42 @@
           </a:p>
         </p:txBody>
       </p:sp>
+      <p:pic>
+        <p:nvPicPr>
+          <p:cNvPr id="30" name="Picture 29" descr="A close up of a sign&#10;&#10;Description generated with high confidence">
+            <a:extLst>
+              <a:ext uri="{FF2B5EF4-FFF2-40B4-BE49-F238E27FC236}">
+                <a16:creationId xmlns:a16="http://schemas.microsoft.com/office/drawing/2014/main" id="{81462134-68EC-4982-BAAF-65D53F059F68}"/>
+              </a:ext>
+            </a:extLst>
+          </p:cNvPr>
+          <p:cNvPicPr>
+            <a:picLocks noChangeAspect="1"/>
+          </p:cNvPicPr>
+          <p:nvPr/>
+        </p:nvPicPr>
+        <p:blipFill>
+          <a:blip r:embed="rId2">
+            <a:extLst>
+              <a:ext uri="{28A0092B-C50C-407E-A947-70E740481C1C}">
+                <a14:useLocalDpi xmlns:a14="http://schemas.microsoft.com/office/drawing/2010/main" val="0"/>
+              </a:ext>
+            </a:extLst>
+          </a:blip>
+          <a:stretch>
+            <a:fillRect/>
+          </a:stretch>
+        </p:blipFill>
+        <p:spPr>
+          <a:xfrm>
+            <a:off x="104076" y="130612"/>
+            <a:ext cx="996756" cy="1014826"/>
+          </a:xfrm>
+          <a:prstGeom prst="rect">
+            <a:avLst/>
+          </a:prstGeom>
+        </p:spPr>
+      </p:pic>
     </p:spTree>
     <p:extLst>
       <p:ext uri="{BB962C8B-B14F-4D97-AF65-F5344CB8AC3E}">
@@ -4979,6 +5021,225 @@
 </file>
 
 <file path=ppt/slides/slide3.xml><?xml version="1.0" encoding="utf-8"?>
+<p:sld xmlns:a="http://schemas.openxmlformats.org/drawingml/2006/main" xmlns:r="http://schemas.openxmlformats.org/officeDocument/2006/relationships" xmlns:p="http://schemas.openxmlformats.org/presentationml/2006/main">
+  <p:cSld>
+    <p:spTree>
+      <p:nvGrpSpPr>
+        <p:cNvPr id="1" name=""/>
+        <p:cNvGrpSpPr/>
+        <p:nvPr/>
+      </p:nvGrpSpPr>
+      <p:grpSpPr>
+        <a:xfrm>
+          <a:off x="0" y="0"/>
+          <a:ext cx="0" cy="0"/>
+          <a:chOff x="0" y="0"/>
+          <a:chExt cx="0" cy="0"/>
+        </a:xfrm>
+      </p:grpSpPr>
+      <p:sp>
+        <p:nvSpPr>
+          <p:cNvPr id="4" name="TextBox 3">
+            <a:extLst>
+              <a:ext uri="{FF2B5EF4-FFF2-40B4-BE49-F238E27FC236}">
+                <a16:creationId xmlns:a16="http://schemas.microsoft.com/office/drawing/2014/main" id="{B57CE9B4-C321-49A2-90B9-659BC4188C20}"/>
+              </a:ext>
+            </a:extLst>
+          </p:cNvPr>
+          <p:cNvSpPr txBox="1"/>
+          <p:nvPr/>
+        </p:nvSpPr>
+        <p:spPr>
+          <a:xfrm>
+            <a:off x="1100832" y="301838"/>
+            <a:ext cx="3682418" cy="707886"/>
+          </a:xfrm>
+          <a:prstGeom prst="rect">
+            <a:avLst/>
+          </a:prstGeom>
+          <a:noFill/>
+        </p:spPr>
+        <p:txBody>
+          <a:bodyPr wrap="none" rtlCol="0">
+            <a:spAutoFit/>
+          </a:bodyPr>
+          <a:lstStyle/>
+          <a:p>
+            <a:r>
+              <a:rPr lang="en-IN" sz="4000" dirty="0">
+                <a:latin typeface="Century Gothic" panose="020B0502020202020204" pitchFamily="34" charset="0"/>
+              </a:rPr>
+              <a:t>Git Installation</a:t>
+            </a:r>
+          </a:p>
+        </p:txBody>
+      </p:sp>
+      <p:pic>
+        <p:nvPicPr>
+          <p:cNvPr id="5" name="Picture 4" descr="A close up of a sign&#10;&#10;Description generated with high confidence">
+            <a:extLst>
+              <a:ext uri="{FF2B5EF4-FFF2-40B4-BE49-F238E27FC236}">
+                <a16:creationId xmlns:a16="http://schemas.microsoft.com/office/drawing/2014/main" id="{9E8E234B-7977-4CF0-B999-83036DED4AFB}"/>
+              </a:ext>
+            </a:extLst>
+          </p:cNvPr>
+          <p:cNvPicPr>
+            <a:picLocks noChangeAspect="1"/>
+          </p:cNvPicPr>
+          <p:nvPr/>
+        </p:nvPicPr>
+        <p:blipFill>
+          <a:blip r:embed="rId2">
+            <a:extLst>
+              <a:ext uri="{28A0092B-C50C-407E-A947-70E740481C1C}">
+                <a14:useLocalDpi xmlns:a14="http://schemas.microsoft.com/office/drawing/2010/main" val="0"/>
+              </a:ext>
+            </a:extLst>
+          </a:blip>
+          <a:stretch>
+            <a:fillRect/>
+          </a:stretch>
+        </p:blipFill>
+        <p:spPr>
+          <a:xfrm>
+            <a:off x="104076" y="130612"/>
+            <a:ext cx="996756" cy="1014826"/>
+          </a:xfrm>
+          <a:prstGeom prst="rect">
+            <a:avLst/>
+          </a:prstGeom>
+        </p:spPr>
+      </p:pic>
+      <p:sp>
+        <p:nvSpPr>
+          <p:cNvPr id="6" name="Rectangle 5">
+            <a:extLst>
+              <a:ext uri="{FF2B5EF4-FFF2-40B4-BE49-F238E27FC236}">
+                <a16:creationId xmlns:a16="http://schemas.microsoft.com/office/drawing/2014/main" id="{3CA225B9-601B-49BF-84BB-DE7EBACA105C}"/>
+              </a:ext>
+            </a:extLst>
+          </p:cNvPr>
+          <p:cNvSpPr/>
+          <p:nvPr/>
+        </p:nvSpPr>
+        <p:spPr>
+          <a:xfrm>
+            <a:off x="602454" y="1727127"/>
+            <a:ext cx="10761279" cy="1938992"/>
+          </a:xfrm>
+          <a:prstGeom prst="rect">
+            <a:avLst/>
+          </a:prstGeom>
+        </p:spPr>
+        <p:txBody>
+          <a:bodyPr wrap="none">
+            <a:spAutoFit/>
+          </a:bodyPr>
+          <a:lstStyle/>
+          <a:p>
+            <a:pPr marL="457200" indent="-457200">
+              <a:buFont typeface="Arial" panose="020B0604020202020204" pitchFamily="34" charset="0"/>
+              <a:buChar char="•"/>
+            </a:pPr>
+            <a:r>
+              <a:rPr lang="en-IN" sz="2000" dirty="0">
+                <a:latin typeface="Century Gothic" panose="020B0502020202020204" pitchFamily="34" charset="0"/>
+              </a:rPr>
+              <a:t>Windows : https://git-scm.com/download/mac</a:t>
+            </a:r>
+          </a:p>
+          <a:p>
+            <a:pPr marL="457200" indent="-457200">
+              <a:buFont typeface="Arial" panose="020B0604020202020204" pitchFamily="34" charset="0"/>
+              <a:buChar char="•"/>
+            </a:pPr>
+            <a:endParaRPr lang="en-IN" sz="2000" dirty="0">
+              <a:latin typeface="Century Gothic" panose="020B0502020202020204" pitchFamily="34" charset="0"/>
+            </a:endParaRPr>
+          </a:p>
+          <a:p>
+            <a:pPr marL="457200" indent="-457200">
+              <a:buFont typeface="Arial" panose="020B0604020202020204" pitchFamily="34" charset="0"/>
+              <a:buChar char="•"/>
+            </a:pPr>
+            <a:r>
+              <a:rPr lang="en-IN" sz="2000" dirty="0">
+                <a:latin typeface="Century Gothic" panose="020B0502020202020204" pitchFamily="34" charset="0"/>
+              </a:rPr>
+              <a:t>Ubuntu : </a:t>
+            </a:r>
+            <a:r>
+              <a:rPr lang="en-IN" sz="2000" dirty="0" err="1">
+                <a:latin typeface="Century Gothic" panose="020B0502020202020204" pitchFamily="34" charset="0"/>
+              </a:rPr>
+              <a:t>sudo</a:t>
+            </a:r>
+            <a:r>
+              <a:rPr lang="en-IN" sz="2000" dirty="0">
+                <a:latin typeface="Century Gothic" panose="020B0502020202020204" pitchFamily="34" charset="0"/>
+              </a:rPr>
+              <a:t> apt get install git</a:t>
+            </a:r>
+          </a:p>
+          <a:p>
+            <a:pPr marL="457200" indent="-457200">
+              <a:buFont typeface="Arial" panose="020B0604020202020204" pitchFamily="34" charset="0"/>
+              <a:buChar char="•"/>
+            </a:pPr>
+            <a:endParaRPr lang="en-IN" sz="2000" dirty="0">
+              <a:latin typeface="Century Gothic" panose="020B0502020202020204" pitchFamily="34" charset="0"/>
+            </a:endParaRPr>
+          </a:p>
+          <a:p>
+            <a:pPr marL="457200" indent="-457200">
+              <a:buFont typeface="Arial" panose="020B0604020202020204" pitchFamily="34" charset="0"/>
+              <a:buChar char="•"/>
+            </a:pPr>
+            <a:r>
+              <a:rPr lang="en-IN" sz="2000" dirty="0">
+                <a:latin typeface="Century Gothic" panose="020B0502020202020204" pitchFamily="34" charset="0"/>
+              </a:rPr>
+              <a:t>Mac : </a:t>
+            </a:r>
+            <a:r>
+              <a:rPr lang="en-IN" sz="2000" dirty="0">
+                <a:latin typeface="Century Gothic" panose="020B0502020202020204" pitchFamily="34" charset="0"/>
+                <a:hlinkClick r:id="rId3"/>
+              </a:rPr>
+              <a:t>https://www.atlassian.com/git/tutorials/install-git#mac-os-x</a:t>
+            </a:r>
+            <a:r>
+              <a:rPr lang="en-IN" sz="2000" dirty="0">
+                <a:latin typeface="Century Gothic" panose="020B0502020202020204" pitchFamily="34" charset="0"/>
+              </a:rPr>
+              <a:t> / brew install git</a:t>
+            </a:r>
+          </a:p>
+          <a:p>
+            <a:pPr marL="457200" indent="-457200">
+              <a:buFont typeface="Arial" panose="020B0604020202020204" pitchFamily="34" charset="0"/>
+              <a:buChar char="•"/>
+            </a:pPr>
+            <a:endParaRPr lang="en-IN" sz="2000" dirty="0">
+              <a:latin typeface="Century Gothic" panose="020B0502020202020204" pitchFamily="34" charset="0"/>
+            </a:endParaRPr>
+          </a:p>
+        </p:txBody>
+      </p:sp>
+    </p:spTree>
+    <p:extLst>
+      <p:ext uri="{BB962C8B-B14F-4D97-AF65-F5344CB8AC3E}">
+        <p14:creationId xmlns:p14="http://schemas.microsoft.com/office/powerpoint/2010/main" val="3171894628"/>
+      </p:ext>
+    </p:extLst>
+  </p:cSld>
+  <p:clrMapOvr>
+    <a:masterClrMapping/>
+  </p:clrMapOvr>
+</p:sld>
+</file>
+
+<file path=ppt/slides/slide4.xml><?xml version="1.0" encoding="utf-8"?>
 <p:sld xmlns:a="http://schemas.openxmlformats.org/drawingml/2006/main" xmlns:r="http://schemas.openxmlformats.org/officeDocument/2006/relationships" xmlns:p="http://schemas.openxmlformats.org/presentationml/2006/main">
   <p:cSld>
     <p:spTree>
@@ -5573,7 +5834,7 @@
 </p:sld>
 </file>
 
-<file path=ppt/slides/slide4.xml><?xml version="1.0" encoding="utf-8"?>
+<file path=ppt/slides/slide5.xml><?xml version="1.0" encoding="utf-8"?>
 <p:sld xmlns:a="http://schemas.openxmlformats.org/drawingml/2006/main" xmlns:r="http://schemas.openxmlformats.org/officeDocument/2006/relationships" xmlns:p="http://schemas.openxmlformats.org/presentationml/2006/main">
   <p:cSld>
     <p:spTree>
@@ -8254,7 +8515,7 @@
 </p:sld>
 </file>
 
-<file path=ppt/slides/slide5.xml><?xml version="1.0" encoding="utf-8"?>
+<file path=ppt/slides/slide6.xml><?xml version="1.0" encoding="utf-8"?>
 <p:sld xmlns:a="http://schemas.openxmlformats.org/drawingml/2006/main" xmlns:r="http://schemas.openxmlformats.org/officeDocument/2006/relationships" xmlns:p="http://schemas.openxmlformats.org/presentationml/2006/main">
   <p:cSld>
     <p:spTree>

--- a/Git Session.pptx
+++ b/Git Session.pptx
@@ -3575,43 +3575,6 @@
       </p:sp>
       <p:sp>
         <p:nvSpPr>
-          <p:cNvPr id="22" name="TextBox 21">
-            <a:extLst>
-              <a:ext uri="{FF2B5EF4-FFF2-40B4-BE49-F238E27FC236}">
-                <a16:creationId xmlns:a16="http://schemas.microsoft.com/office/drawing/2014/main" id="{D0A17E48-DDE7-400D-98F7-A9E4CDBEB1B2}"/>
-              </a:ext>
-            </a:extLst>
-          </p:cNvPr>
-          <p:cNvSpPr txBox="1"/>
-          <p:nvPr/>
-        </p:nvSpPr>
-        <p:spPr>
-          <a:xfrm>
-            <a:off x="2649383" y="277633"/>
-            <a:ext cx="6250429" cy="707886"/>
-          </a:xfrm>
-          <a:prstGeom prst="rect">
-            <a:avLst/>
-          </a:prstGeom>
-          <a:noFill/>
-        </p:spPr>
-        <p:txBody>
-          <a:bodyPr wrap="none" rtlCol="0">
-            <a:spAutoFit/>
-          </a:bodyPr>
-          <a:lstStyle/>
-          <a:p>
-            <a:r>
-              <a:rPr lang="en-IN" sz="4000" b="1" dirty="0">
-                <a:latin typeface="Century Gothic" panose="020B0502020202020204" pitchFamily="34" charset="0"/>
-              </a:rPr>
-              <a:t>Software Version Control</a:t>
-            </a:r>
-          </a:p>
-        </p:txBody>
-      </p:sp>
-      <p:sp>
-        <p:nvSpPr>
           <p:cNvPr id="23" name="Rectangle 22">
             <a:extLst>
               <a:ext uri="{FF2B5EF4-FFF2-40B4-BE49-F238E27FC236}">
@@ -3803,6 +3766,79 @@
           <a:xfrm>
             <a:off x="2936051" y="1426751"/>
             <a:ext cx="3917602" cy="3988623"/>
+          </a:xfrm>
+          <a:prstGeom prst="rect">
+            <a:avLst/>
+          </a:prstGeom>
+        </p:spPr>
+      </p:pic>
+      <p:sp>
+        <p:nvSpPr>
+          <p:cNvPr id="14" name="TextBox 13">
+            <a:extLst>
+              <a:ext uri="{FF2B5EF4-FFF2-40B4-BE49-F238E27FC236}">
+                <a16:creationId xmlns:a16="http://schemas.microsoft.com/office/drawing/2014/main" id="{D4764C54-1B32-4650-B38B-09D778DA5D96}"/>
+              </a:ext>
+            </a:extLst>
+          </p:cNvPr>
+          <p:cNvSpPr txBox="1"/>
+          <p:nvPr/>
+        </p:nvSpPr>
+        <p:spPr>
+          <a:xfrm>
+            <a:off x="1100832" y="301838"/>
+            <a:ext cx="6290505" cy="707886"/>
+          </a:xfrm>
+          <a:prstGeom prst="rect">
+            <a:avLst/>
+          </a:prstGeom>
+          <a:noFill/>
+        </p:spPr>
+        <p:txBody>
+          <a:bodyPr wrap="none" rtlCol="0">
+            <a:spAutoFit/>
+          </a:bodyPr>
+          <a:lstStyle/>
+          <a:p>
+            <a:r>
+              <a:rPr lang="en-IN" sz="4000" dirty="0">
+                <a:latin typeface="Century Gothic" panose="020B0502020202020204" pitchFamily="34" charset="0"/>
+              </a:rPr>
+              <a:t>Software Version Control</a:t>
+            </a:r>
+          </a:p>
+        </p:txBody>
+      </p:sp>
+      <p:pic>
+        <p:nvPicPr>
+          <p:cNvPr id="16" name="Picture 15" descr="A close up of a sign&#10;&#10;Description generated with high confidence">
+            <a:extLst>
+              <a:ext uri="{FF2B5EF4-FFF2-40B4-BE49-F238E27FC236}">
+                <a16:creationId xmlns:a16="http://schemas.microsoft.com/office/drawing/2014/main" id="{2FBDE949-A470-4F93-B277-D69B900879F1}"/>
+              </a:ext>
+            </a:extLst>
+          </p:cNvPr>
+          <p:cNvPicPr>
+            <a:picLocks noChangeAspect="1"/>
+          </p:cNvPicPr>
+          <p:nvPr/>
+        </p:nvPicPr>
+        <p:blipFill>
+          <a:blip r:embed="rId6">
+            <a:extLst>
+              <a:ext uri="{28A0092B-C50C-407E-A947-70E740481C1C}">
+                <a14:useLocalDpi xmlns:a14="http://schemas.microsoft.com/office/drawing/2010/main" val="0"/>
+              </a:ext>
+            </a:extLst>
+          </a:blip>
+          <a:stretch>
+            <a:fillRect/>
+          </a:stretch>
+        </p:blipFill>
+        <p:spPr>
+          <a:xfrm>
+            <a:off x="104076" y="112856"/>
+            <a:ext cx="996756" cy="1014826"/>
           </a:xfrm>
           <a:prstGeom prst="rect">
             <a:avLst/>
@@ -4999,7 +5035,7 @@
         </p:blipFill>
         <p:spPr>
           <a:xfrm>
-            <a:off x="104076" y="130612"/>
+            <a:off x="104076" y="112856"/>
             <a:ext cx="996756" cy="1014826"/>
           </a:xfrm>
           <a:prstGeom prst="rect">
